--- a/Courses/Software-Sciences/Module-2-DS-and-Algo-New/15.1-Recursion/15.1-Recursion.pptx
+++ b/Courses/Software-Sciences/Module-2-DS-and-Algo-New/15.1-Recursion/15.1-Recursion.pptx
@@ -311,7 +311,7 @@
           <a:p>
             <a:fld id="{4E087215-0C8F-4762-A664-737A353EC9A4}" type="datetimeFigureOut">
               <a:rPr lang="bg-BG" smtClean="0"/>
-              <a:t>7.3.2023 г.</a:t>
+              <a:t>10.7.2023 г.</a:t>
             </a:fld>
             <a:endParaRPr lang="bg-BG" dirty="0"/>
           </a:p>
@@ -502,7 +502,7 @@
           <a:p>
             <a:fld id="{72D84649-876A-46C9-8472-14CB09C070D8}" type="datetimeFigureOut">
               <a:rPr lang="en-US" smtClean="0"/>
-              <a:t>3/7/2023</a:t>
+              <a:t>7/10/2023</a:t>
             </a:fld>
             <a:endParaRPr lang="en-US" dirty="0"/>
           </a:p>
@@ -3573,7 +3573,7 @@
                 <a:hlinkClick r:id="rId2">
                   <a:extLst>
                     <a:ext uri="{A12FA001-AC4F-418D-AE19-62706E023703}">
-                      <ahyp:hlinkClr xmlns:ahyp="http://schemas.microsoft.com/office/drawing/2018/hyperlinkcolor" xmlns="" val="tx"/>
+                      <ahyp:hlinkClr xmlns:ahyp="http://schemas.microsoft.com/office/drawing/2018/hyperlinkcolor" val="tx"/>
                     </a:ext>
                   </a:extLst>
                 </a:hlinkClick>
@@ -8300,13 +8300,6 @@
       <p:transition spd="slow" advClick="0" advTm="5000"/>
     </mc:Fallback>
   </mc:AlternateContent>
-  <p:timing>
-    <p:tnLst>
-      <p:par>
-        <p:cTn id="1" dur="indefinite" restart="never" nodeType="tmRoot"/>
-      </p:par>
-    </p:tnLst>
-  </p:timing>
 </p:sld>
 </file>
 
@@ -9798,7 +9791,7 @@
               <a:rPr lang="en-US" sz="1999" dirty="0">
                 <a:hlinkClick r:id="rId2"/>
               </a:rPr>
-              <a:t>https://judge.softuni.org/Contests/Practice/Index/3185#0</a:t>
+              <a:t>https://judge.softuni.org/Contests/Practice/Index/4176#0</a:t>
             </a:r>
             <a:endParaRPr lang="en-US" sz="1999" dirty="0"/>
           </a:p>
@@ -12975,14 +12968,14 @@
               <a:t>Тествайте решението в Judge</a:t>
             </a:r>
             <a:r>
-              <a:rPr lang="en-US" sz="1999" dirty="0" smtClean="0"/>
+              <a:rPr lang="en-US" sz="1999" dirty="0"/>
               <a:t>: </a:t>
             </a:r>
             <a:r>
               <a:rPr lang="en-US" sz="1999" dirty="0">
                 <a:hlinkClick r:id="rId2"/>
               </a:rPr>
-              <a:t>https://judge.softuni.org/Contests/Practice/Index/3185#2</a:t>
+              <a:t>https://judge.softuni.org/Contests/Practice/Index/4176#2</a:t>
             </a:r>
             <a:endParaRPr lang="en-US" sz="1999" dirty="0"/>
           </a:p>
@@ -13520,13 +13513,6 @@
       <p:transition spd="slow" advClick="0" advTm="5000"/>
     </mc:Fallback>
   </mc:AlternateContent>
-  <p:timing>
-    <p:tnLst>
-      <p:par>
-        <p:cTn id="1" dur="indefinite" restart="never" nodeType="tmRoot"/>
-      </p:par>
-    </p:tnLst>
-  </p:timing>
 </p:sld>
 </file>
 
@@ -13773,7 +13759,7 @@
               </a:buClr>
             </a:pPr>
             <a:r>
-              <a:rPr lang="bg-BG" sz="3350" b="1" dirty="0" smtClean="0">
+              <a:rPr lang="bg-BG" sz="3350" b="1" dirty="0">
                 <a:solidFill>
                   <a:schemeClr val="bg1"/>
                 </a:solidFill>
@@ -13781,12 +13767,8 @@
               <a:t>Преди действието</a:t>
             </a:r>
             <a:r>
-              <a:rPr lang="en-US" sz="3150" dirty="0" smtClean="0"/>
-              <a:t> </a:t>
-            </a:r>
-            <a:r>
               <a:rPr lang="en-US" sz="3150" dirty="0"/>
-              <a:t>(преди да извика рекурсията)</a:t>
+              <a:t> (преди да извика рекурсията)</a:t>
             </a:r>
             <a:endParaRPr lang="en-US" sz="3150" dirty="0">
               <a:cs typeface="Calibri"/>
@@ -13827,7 +13809,7 @@
               </a:buClr>
             </a:pPr>
             <a:r>
-              <a:rPr lang="bg-BG" sz="3350" b="1" dirty="0" smtClean="0">
+              <a:rPr lang="bg-BG" sz="3350" b="1" dirty="0">
                 <a:solidFill>
                   <a:schemeClr val="bg1"/>
                 </a:solidFill>
@@ -13835,12 +13817,8 @@
               <a:t>След действието</a:t>
             </a:r>
             <a:r>
-              <a:rPr lang="en-US" sz="3150" dirty="0" smtClean="0"/>
-              <a:t> </a:t>
-            </a:r>
-            <a:r>
               <a:rPr lang="en-US" sz="3150" dirty="0"/>
-              <a:t>(след връщането на рекурсия)</a:t>
+              <a:t> (след връщането на рекурсия)</a:t>
             </a:r>
             <a:endParaRPr lang="en-US" sz="3150" dirty="0">
               <a:cs typeface="Calibri"/>
@@ -14108,7 +14086,7 @@
               <a:t>// </a:t>
             </a:r>
             <a:r>
-              <a:rPr lang="bg-BG" sz="2400" dirty="0" smtClean="0">
+              <a:rPr lang="bg-BG" sz="2400" dirty="0">
                 <a:solidFill>
                   <a:schemeClr val="accent2"/>
                 </a:solidFill>
@@ -14156,16 +14134,12 @@
               <a:t>// </a:t>
             </a:r>
             <a:r>
-              <a:rPr lang="bg-BG" sz="2400" dirty="0" smtClean="0">
+              <a:rPr lang="bg-BG" sz="2400" dirty="0">
                 <a:solidFill>
                   <a:schemeClr val="accent2"/>
                 </a:solidFill>
               </a:rPr>
               <a:t>След действието</a:t>
-            </a:r>
-            <a:r>
-              <a:rPr lang="fr-FR" sz="2400" dirty="0"/>
-              <a:t/>
             </a:r>
             <a:br>
               <a:rPr lang="fr-FR" sz="2400" dirty="0"/>
@@ -14206,31 +14180,31 @@
           <a:lstStyle/>
           <a:p>
             <a:r>
-              <a:rPr lang="bg-BG" dirty="0" smtClean="0"/>
+              <a:rPr lang="bg-BG" dirty="0"/>
               <a:t>Рекурсия,</a:t>
             </a:r>
             <a:r>
-              <a:rPr lang="en-US" dirty="0" smtClean="0"/>
+              <a:rPr lang="en-US" dirty="0"/>
               <a:t> </a:t>
             </a:r>
             <a:r>
-              <a:rPr lang="bg-BG" dirty="0" smtClean="0"/>
+              <a:rPr lang="bg-BG" dirty="0"/>
               <a:t>преди действието</a:t>
             </a:r>
             <a:r>
-              <a:rPr lang="en-US" dirty="0" smtClean="0"/>
+              <a:rPr lang="en-US" dirty="0"/>
               <a:t> </a:t>
             </a:r>
             <a:r>
-              <a:rPr lang="bg-BG" dirty="0" smtClean="0"/>
+              <a:rPr lang="bg-BG" dirty="0"/>
               <a:t>и</a:t>
             </a:r>
             <a:r>
-              <a:rPr lang="en-US" dirty="0" smtClean="0"/>
+              <a:rPr lang="en-US" dirty="0"/>
               <a:t> </a:t>
             </a:r>
             <a:r>
-              <a:rPr lang="bg-BG" dirty="0" smtClean="0"/>
+              <a:rPr lang="bg-BG" dirty="0"/>
               <a:t>след действието</a:t>
             </a:r>
             <a:endParaRPr lang="en-US" dirty="0"/>
@@ -15243,14 +15217,14 @@
               <a:t>Тествайте решението в Judge</a:t>
             </a:r>
             <a:r>
-              <a:rPr lang="en-US" sz="1999" dirty="0" smtClean="0"/>
+              <a:rPr lang="en-US" sz="1999" dirty="0"/>
               <a:t>: </a:t>
             </a:r>
             <a:r>
               <a:rPr lang="en-US" sz="1999" dirty="0">
                 <a:hlinkClick r:id="rId2"/>
               </a:rPr>
-              <a:t>https://judge.softuni.org/Contests/Practice/Index/3185#3</a:t>
+              <a:t>https://judge.softuni.org/Contests/Practice/Index/4176#3</a:t>
             </a:r>
             <a:endParaRPr lang="en-US" sz="1999" dirty="0"/>
           </a:p>
@@ -15625,7 +15599,7 @@
               <a:t>// TODO: </a:t>
             </a:r>
             <a:r>
-              <a:rPr lang="bg-BG" sz="2799" dirty="0" smtClean="0">
+              <a:rPr lang="bg-BG" sz="2799" dirty="0">
                 <a:solidFill>
                   <a:schemeClr val="accent2"/>
                 </a:solidFill>
@@ -15633,7 +15607,7 @@
               <a:t>Преди действието</a:t>
             </a:r>
             <a:r>
-              <a:rPr lang="en-US" sz="2799" dirty="0" smtClean="0">
+              <a:rPr lang="en-US" sz="2799" dirty="0">
                 <a:solidFill>
                   <a:schemeClr val="accent2"/>
                 </a:solidFill>
@@ -15641,7 +15615,7 @@
               <a:t>: </a:t>
             </a:r>
             <a:r>
-              <a:rPr lang="bg-BG" sz="2799" dirty="0" smtClean="0">
+              <a:rPr lang="bg-BG" sz="2799" dirty="0">
                 <a:solidFill>
                   <a:schemeClr val="accent2"/>
                 </a:solidFill>
@@ -15649,7 +15623,7 @@
               <a:t>отпечатайте </a:t>
             </a:r>
             <a:r>
-              <a:rPr lang="en-US" sz="2799" dirty="0" smtClean="0">
+              <a:rPr lang="en-US" sz="2799" dirty="0">
                 <a:solidFill>
                   <a:schemeClr val="accent2"/>
                 </a:solidFill>
@@ -15657,14 +15631,14 @@
               <a:t>n </a:t>
             </a:r>
             <a:r>
-              <a:rPr lang="bg-BG" sz="2799" dirty="0" smtClean="0">
+              <a:rPr lang="bg-BG" sz="2799" dirty="0">
                 <a:solidFill>
                   <a:schemeClr val="accent2"/>
                 </a:solidFill>
               </a:rPr>
               <a:t>звездички</a:t>
             </a:r>
-            <a:endParaRPr lang="en-US" sz="2799" dirty="0" smtClean="0">
+            <a:endParaRPr lang="en-US" sz="2799" dirty="0">
               <a:solidFill>
                 <a:schemeClr val="accent2"/>
               </a:solidFill>
@@ -15687,7 +15661,7 @@
               <a:buSzPct val="100000"/>
             </a:pPr>
             <a:r>
-              <a:rPr lang="en-US" sz="2799" dirty="0" smtClean="0"/>
+              <a:rPr lang="en-US" sz="2799" dirty="0"/>
               <a:t>    PrintFigure(n - 1);</a:t>
             </a:r>
           </a:p>
@@ -15708,7 +15682,7 @@
               <a:buSzPct val="100000"/>
             </a:pPr>
             <a:r>
-              <a:rPr lang="en-US" sz="2799" dirty="0" smtClean="0"/>
+              <a:rPr lang="en-US" sz="2799" dirty="0"/>
               <a:t>    </a:t>
             </a:r>
             <a:r>
@@ -15720,7 +15694,7 @@
               <a:t>// TODO: </a:t>
             </a:r>
             <a:r>
-              <a:rPr lang="bg-BG" sz="2799" dirty="0" smtClean="0">
+              <a:rPr lang="bg-BG" sz="2799" dirty="0">
                 <a:solidFill>
                   <a:schemeClr val="accent2"/>
                 </a:solidFill>
@@ -15728,7 +15702,7 @@
               <a:t>След действието</a:t>
             </a:r>
             <a:r>
-              <a:rPr lang="en-US" sz="2799" dirty="0" smtClean="0">
+              <a:rPr lang="en-US" sz="2799" dirty="0">
                 <a:solidFill>
                   <a:schemeClr val="accent2"/>
                 </a:solidFill>
@@ -15736,7 +15710,7 @@
               <a:t>: </a:t>
             </a:r>
             <a:r>
-              <a:rPr lang="bg-BG" sz="2799" dirty="0" smtClean="0">
+              <a:rPr lang="bg-BG" sz="2799" dirty="0">
                 <a:solidFill>
                   <a:schemeClr val="accent2"/>
                 </a:solidFill>
@@ -15744,23 +15718,15 @@
               <a:t>отпечатайте</a:t>
             </a:r>
             <a:r>
-              <a:rPr lang="en-US" sz="2799" dirty="0" smtClean="0">
+              <a:rPr lang="en-US" sz="2799" dirty="0">
                 <a:solidFill>
                   <a:schemeClr val="accent2"/>
                 </a:solidFill>
               </a:rPr>
-              <a:t> </a:t>
-            </a:r>
-            <a:r>
-              <a:rPr lang="en-US" sz="2799" dirty="0">
-                <a:solidFill>
-                  <a:schemeClr val="accent2"/>
-                </a:solidFill>
-              </a:rPr>
-              <a:t>n </a:t>
-            </a:r>
-            <a:r>
-              <a:rPr lang="bg-BG" sz="2799" dirty="0" smtClean="0">
+              <a:t> n </a:t>
+            </a:r>
+            <a:r>
+              <a:rPr lang="bg-BG" sz="2799" dirty="0">
                 <a:solidFill>
                   <a:schemeClr val="accent2"/>
                 </a:solidFill>
@@ -15838,12 +15804,8 @@
               <a:t>след действието</a:t>
             </a:r>
             <a:r>
-              <a:rPr lang="en-US" sz="3200" dirty="0" smtClean="0"/>
-              <a:t>– </a:t>
-            </a:r>
-            <a:r>
               <a:rPr lang="en-US" sz="3200" dirty="0"/>
-              <a:t>примери</a:t>
+              <a:t>– примери</a:t>
             </a:r>
           </a:p>
         </p:txBody>
@@ -15996,13 +15958,6 @@
       <p:transition spd="slow" advClick="0" advTm="5000"/>
     </mc:Fallback>
   </mc:AlternateContent>
-  <p:timing>
-    <p:tnLst>
-      <p:par>
-        <p:cTn id="1" dur="indefinite" restart="never" nodeType="tmRoot"/>
-      </p:par>
-    </p:tnLst>
-  </p:timing>
 </p:sld>
 </file>
 
@@ -16124,13 +16079,6 @@
       <p:transition spd="slow" advClick="0" advTm="5000"/>
     </mc:Fallback>
   </mc:AlternateContent>
-  <p:timing>
-    <p:tnLst>
-      <p:par>
-        <p:cTn id="1" dur="indefinite" restart="never" nodeType="tmRoot"/>
-      </p:par>
-    </p:tnLst>
-  </p:timing>
 </p:sld>
 </file>
 
@@ -16277,10 +16225,9 @@
           <a:lstStyle/>
           <a:p>
             <a:r>
-              <a:rPr lang="bg-BG" dirty="0" smtClean="0"/>
+              <a:rPr lang="bg-BG" dirty="0"/>
               <a:t>Съдържание</a:t>
             </a:r>
-            <a:endParaRPr lang="bg-BG" dirty="0"/>
           </a:p>
         </p:txBody>
       </p:sp>
@@ -16709,11 +16656,11 @@
               </a:lnSpc>
             </a:pPr>
             <a:r>
-              <a:rPr lang="bg-BG" sz="2999" dirty="0" smtClean="0"/>
+              <a:rPr lang="bg-BG" sz="2999" dirty="0"/>
               <a:t>Параметрите и върнатите стойности </a:t>
             </a:r>
             <a:r>
-              <a:rPr lang="bg-BG" sz="2999" b="1" dirty="0" smtClean="0">
+              <a:rPr lang="bg-BG" sz="2999" b="1" dirty="0">
                 <a:solidFill>
                   <a:schemeClr val="bg1"/>
                 </a:solidFill>
@@ -16721,11 +16668,11 @@
               <a:t>минават</a:t>
             </a:r>
             <a:r>
-              <a:rPr lang="en-US" sz="2999" dirty="0" smtClean="0"/>
+              <a:rPr lang="en-US" sz="2999" dirty="0"/>
               <a:t> </a:t>
             </a:r>
             <a:r>
-              <a:rPr lang="bg-BG" sz="2999" dirty="0" smtClean="0"/>
+              <a:rPr lang="bg-BG" sz="2999" dirty="0"/>
               <a:t>през стака</a:t>
             </a:r>
             <a:endParaRPr lang="en-US" sz="2999" dirty="0">
@@ -17472,10 +17419,6 @@
             <a:r>
               <a:rPr lang="en-US" sz="1999" dirty="0"/>
               <a:t>  return result;</a:t>
-            </a:r>
-            <a:r>
-              <a:rPr lang="bg-BG" sz="1999" dirty="0"/>
-              <a:t/>
             </a:r>
             <a:br>
               <a:rPr lang="bg-BG" sz="1999" dirty="0"/>
@@ -20451,7 +20394,6 @@
               <a:rPr lang="en-US" dirty="0"/>
               <a:t>Какво научихме днес?</a:t>
             </a:r>
-            <a:endParaRPr lang="en-US" dirty="0"/>
           </a:p>
         </p:txBody>
       </p:sp>
@@ -20855,7 +20797,7 @@
               </a:buClr>
             </a:pPr>
             <a:r>
-              <a:rPr lang="bg-BG" sz="3600" b="1" dirty="0" smtClean="0">
+              <a:rPr lang="bg-BG" sz="3600" b="1" dirty="0">
                 <a:solidFill>
                   <a:schemeClr val="bg1">
                     <a:lumMod val="60000"/>
@@ -20866,7 +20808,7 @@
               <a:t>Рекурсия</a:t>
             </a:r>
             <a:r>
-              <a:rPr lang="en-US" sz="3600" dirty="0" smtClean="0">
+              <a:rPr lang="en-US" sz="3600" dirty="0">
                 <a:solidFill>
                   <a:schemeClr val="bg2"/>
                 </a:solidFill>
@@ -20874,7 +20816,7 @@
               <a:t>: </a:t>
             </a:r>
             <a:r>
-              <a:rPr lang="bg-BG" sz="3600" dirty="0" smtClean="0">
+              <a:rPr lang="bg-BG" sz="3600" dirty="0">
                 <a:solidFill>
                   <a:schemeClr val="bg2"/>
                 </a:solidFill>
@@ -20897,7 +20839,7 @@
               </a:buClr>
             </a:pPr>
             <a:r>
-              <a:rPr lang="bg-BG" sz="3200" dirty="0" smtClean="0">
+              <a:rPr lang="bg-BG" sz="3200" dirty="0">
                 <a:solidFill>
                   <a:schemeClr val="bg2"/>
                 </a:solidFill>
@@ -20905,7 +20847,7 @@
               <a:t>Преди действието</a:t>
             </a:r>
             <a:r>
-              <a:rPr lang="en-US" sz="3200" dirty="0" smtClean="0">
+              <a:rPr lang="en-US" sz="3200" dirty="0">
                 <a:solidFill>
                   <a:schemeClr val="bg2"/>
                 </a:solidFill>
@@ -20930,7 +20872,7 @@
               <a:t> </a:t>
             </a:r>
             <a:r>
-              <a:rPr lang="bg-BG" sz="3200" dirty="0" smtClean="0">
+              <a:rPr lang="bg-BG" sz="3200" dirty="0">
                 <a:solidFill>
                   <a:schemeClr val="bg2"/>
                 </a:solidFill>
@@ -20938,7 +20880,7 @@
               <a:t>рекурсия</a:t>
             </a:r>
             <a:r>
-              <a:rPr lang="en-US" sz="3200" dirty="0" smtClean="0">
+              <a:rPr lang="en-US" sz="3200" dirty="0">
                 <a:solidFill>
                   <a:schemeClr val="bg2"/>
                 </a:solidFill>
@@ -20955,7 +20897,7 @@
               <a:t>  </a:t>
             </a:r>
             <a:r>
-              <a:rPr lang="bg-BG" sz="3200" dirty="0" smtClean="0">
+              <a:rPr lang="bg-BG" sz="3200" dirty="0">
                 <a:solidFill>
                   <a:schemeClr val="bg2"/>
                 </a:solidFill>
@@ -20979,7 +20921,7 @@
               </a:buClr>
             </a:pPr>
             <a:r>
-              <a:rPr lang="bg-BG" sz="3600" dirty="0" smtClean="0">
+              <a:rPr lang="bg-BG" sz="3600" dirty="0">
                 <a:solidFill>
                   <a:schemeClr val="bg2"/>
                 </a:solidFill>
@@ -20987,7 +20929,7 @@
               <a:t>Кога</a:t>
             </a:r>
             <a:r>
-              <a:rPr lang="en-US" sz="3600" dirty="0" smtClean="0">
+              <a:rPr lang="en-US" sz="3600" dirty="0">
                 <a:solidFill>
                   <a:schemeClr val="bg2"/>
                 </a:solidFill>
@@ -20995,7 +20937,7 @@
               <a:t> </a:t>
             </a:r>
             <a:r>
-              <a:rPr lang="bg-BG" sz="3600" b="1" dirty="0" smtClean="0">
+              <a:rPr lang="bg-BG" sz="3600" b="1" dirty="0">
                 <a:solidFill>
                   <a:schemeClr val="bg1">
                     <a:lumMod val="60000"/>
@@ -21006,18 +20948,13 @@
               <a:t>трябва да използваме рекурсия</a:t>
             </a:r>
             <a:r>
-              <a:rPr lang="en-US" sz="3600" dirty="0" smtClean="0">
+              <a:rPr lang="en-US" sz="3600" dirty="0">
                 <a:solidFill>
                   <a:schemeClr val="bg2"/>
                 </a:solidFill>
               </a:rPr>
               <a:t>?</a:t>
             </a:r>
-            <a:endParaRPr lang="en-US" sz="3600" dirty="0">
-              <a:solidFill>
-                <a:schemeClr val="bg2"/>
-              </a:solidFill>
-            </a:endParaRPr>
           </a:p>
           <a:p>
             <a:pPr lvl="1" latinLnBrk="0">
@@ -21055,7 +20992,7 @@
               </a:buClr>
             </a:pPr>
             <a:r>
-              <a:rPr lang="bg-BG" sz="3600" dirty="0" smtClean="0">
+              <a:rPr lang="bg-BG" sz="3600" dirty="0">
                 <a:solidFill>
                   <a:schemeClr val="bg2"/>
                 </a:solidFill>
@@ -21063,7 +21000,7 @@
               <a:t>Кога </a:t>
             </a:r>
             <a:r>
-              <a:rPr lang="bg-BG" sz="3600" dirty="0" smtClean="0">
+              <a:rPr lang="bg-BG" sz="3600" dirty="0">
                 <a:solidFill>
                   <a:schemeClr val="bg1">
                     <a:lumMod val="60000"/>
@@ -21074,7 +21011,7 @@
               <a:t>трябва да използваме</a:t>
             </a:r>
             <a:r>
-              <a:rPr lang="en-US" sz="3600" dirty="0" smtClean="0">
+              <a:rPr lang="en-US" sz="3600" dirty="0">
                 <a:solidFill>
                   <a:schemeClr val="bg1">
                     <a:lumMod val="60000"/>
@@ -21085,7 +21022,7 @@
               <a:t> </a:t>
             </a:r>
             <a:r>
-              <a:rPr lang="bg-BG" sz="3600" b="1" dirty="0" smtClean="0">
+              <a:rPr lang="bg-BG" sz="3600" b="1" dirty="0">
                 <a:solidFill>
                   <a:schemeClr val="bg1">
                     <a:lumMod val="60000"/>
@@ -21096,18 +21033,13 @@
               <a:t>итерация</a:t>
             </a:r>
             <a:r>
-              <a:rPr lang="en-US" sz="3600" dirty="0" smtClean="0">
+              <a:rPr lang="en-US" sz="3600" dirty="0">
                 <a:solidFill>
                   <a:schemeClr val="bg2"/>
                 </a:solidFill>
               </a:rPr>
               <a:t>?</a:t>
             </a:r>
-            <a:endParaRPr lang="en-US" sz="3600" dirty="0">
-              <a:solidFill>
-                <a:schemeClr val="bg2"/>
-              </a:solidFill>
-            </a:endParaRPr>
           </a:p>
           <a:p>
             <a:pPr lvl="1" latinLnBrk="0">
@@ -21525,13 +21457,6 @@
       <p:transition spd="slow" advClick="0" advTm="5000"/>
     </mc:Fallback>
   </mc:AlternateContent>
-  <p:timing>
-    <p:tnLst>
-      <p:par>
-        <p:cTn id="1" dur="indefinite" restart="never" nodeType="tmRoot"/>
-      </p:par>
-    </p:tnLst>
-  </p:timing>
 </p:sld>
 </file>
 
@@ -21823,13 +21748,6 @@
       <p:transition spd="slow" advClick="0" advTm="5000"/>
     </mc:Fallback>
   </mc:AlternateContent>
-  <p:timing>
-    <p:tnLst>
-      <p:par>
-        <p:cTn id="1" dur="indefinite" restart="never" nodeType="tmRoot"/>
-      </p:par>
-    </p:tnLst>
-  </p:timing>
 </p:sld>
 </file>
 
@@ -21942,13 +21860,6 @@
       <p:transition spd="slow" advClick="0" advTm="5000"/>
     </mc:Fallback>
   </mc:AlternateContent>
-  <p:timing>
-    <p:tnLst>
-      <p:par>
-        <p:cTn id="1" dur="indefinite" restart="never" nodeType="tmRoot"/>
-      </p:par>
-    </p:tnLst>
-  </p:timing>
 </p:sld>
 </file>
 
@@ -28929,13 +28840,6 @@
       <p:transition spd="slow" advClick="0" advTm="5000"/>
     </mc:Fallback>
   </mc:AlternateContent>
-  <p:timing>
-    <p:tnLst>
-      <p:par>
-        <p:cTn id="1" dur="indefinite" restart="never" nodeType="tmRoot"/>
-      </p:par>
-    </p:tnLst>
-  </p:timing>
 </p:sld>
 </file>
 
